--- a/Detection User Mannual.pptx
+++ b/Detection User Mannual.pptx
@@ -3311,7 +3311,19 @@
           <a:p>
             <a:r>
               <a:rPr lang="en-US" dirty="0"/>
-              <a:t>Type ‘split –l 86400 [path and name].txt’</a:t>
+              <a:t>Type ‘split –</a:t>
+            </a:r>
+            <a:r>
+              <a:rPr lang="en-US"/>
+              <a:t>l </a:t>
+            </a:r>
+            <a:r>
+              <a:rPr lang="en-US" smtClean="0"/>
+              <a:t>86400000 </a:t>
+            </a:r>
+            <a:r>
+              <a:rPr lang="en-US" dirty="0"/>
+              <a:t>[path and name].txt’</a:t>
             </a:r>
           </a:p>
           <a:p>
